--- a/3/TTA_교육_과정_3.pptx
+++ b/3/TTA_교육_과정_3.pptx
@@ -8,7 +8,7 @@
     <p:notesMasterId r:id="rId14"/>
   </p:notesMasterIdLst>
   <p:sldIdLst>
-    <p:sldId id="256" r:id="rId2"/>
+    <p:sldId id="298" r:id="rId2"/>
     <p:sldId id="278" r:id="rId3"/>
     <p:sldId id="352" r:id="rId4"/>
     <p:sldId id="306" r:id="rId5"/>
@@ -211,7 +211,7 @@
           <a:p>
             <a:fld id="{BB636023-5D60-41FD-922E-2476211F9506}" type="datetimeFigureOut">
               <a:rPr lang="ko-KR" altLang="en-US" smtClean="0"/>
-              <a:t>2022-12-01</a:t>
+              <a:t>2022-12-02</a:t>
             </a:fld>
             <a:endParaRPr lang="ko-KR" altLang="en-US"/>
           </a:p>
@@ -275,38 +275,37 @@
           <a:p>
             <a:pPr lvl="0"/>
             <a:r>
-              <a:rPr lang="ko-KR" altLang="en-US" smtClean="0"/>
+              <a:rPr lang="ko-KR" altLang="en-US"/>
               <a:t>마스터 텍스트 스타일 편집</a:t>
             </a:r>
           </a:p>
           <a:p>
             <a:pPr lvl="1"/>
             <a:r>
-              <a:rPr lang="ko-KR" altLang="en-US" smtClean="0"/>
+              <a:rPr lang="ko-KR" altLang="en-US"/>
               <a:t>둘째 수준</a:t>
             </a:r>
           </a:p>
           <a:p>
             <a:pPr lvl="2"/>
             <a:r>
-              <a:rPr lang="ko-KR" altLang="en-US" smtClean="0"/>
+              <a:rPr lang="ko-KR" altLang="en-US"/>
               <a:t>셋째 수준</a:t>
             </a:r>
           </a:p>
           <a:p>
             <a:pPr lvl="3"/>
             <a:r>
-              <a:rPr lang="ko-KR" altLang="en-US" smtClean="0"/>
+              <a:rPr lang="ko-KR" altLang="en-US"/>
               <a:t>넷째 수준</a:t>
             </a:r>
           </a:p>
           <a:p>
             <a:pPr lvl="4"/>
             <a:r>
-              <a:rPr lang="ko-KR" altLang="en-US" smtClean="0"/>
+              <a:rPr lang="ko-KR" altLang="en-US"/>
               <a:t>다섯째 수준</a:t>
             </a:r>
-            <a:endParaRPr lang="ko-KR" altLang="en-US"/>
           </a:p>
         </p:txBody>
       </p:sp>
@@ -521,10 +520,9 @@
           </a:lstStyle>
           <a:p>
             <a:r>
-              <a:rPr lang="ko-KR" altLang="en-US" smtClean="0"/>
+              <a:rPr lang="ko-KR" altLang="en-US"/>
               <a:t>마스터 제목 스타일 편집</a:t>
             </a:r>
-            <a:endParaRPr lang="ko-KR" altLang="en-US"/>
           </a:p>
         </p:txBody>
       </p:sp>
@@ -586,10 +584,9 @@
           </a:lstStyle>
           <a:p>
             <a:r>
-              <a:rPr lang="ko-KR" altLang="en-US" smtClean="0"/>
+              <a:rPr lang="ko-KR" altLang="en-US"/>
               <a:t>클릭하여 마스터 부제목 스타일 편집</a:t>
             </a:r>
-            <a:endParaRPr lang="ko-KR" altLang="en-US"/>
           </a:p>
         </p:txBody>
       </p:sp>
@@ -610,7 +607,7 @@
           <a:p>
             <a:fld id="{1A0E0E8B-8F38-4466-9781-7E30DABD28DD}" type="datetimeFigureOut">
               <a:rPr lang="ko-KR" altLang="en-US" smtClean="0"/>
-              <a:t>2022-12-01</a:t>
+              <a:t>2022-12-02</a:t>
             </a:fld>
             <a:endParaRPr lang="ko-KR" altLang="en-US"/>
           </a:p>
@@ -632,44 +629,6 @@
           <a:lstStyle/>
           <a:p>
             <a:endParaRPr lang="ko-KR" altLang="en-US"/>
-          </a:p>
-        </p:txBody>
-      </p:sp>
-      <p:sp>
-        <p:nvSpPr>
-          <p:cNvPr id="7" name="TextBox 6"/>
-          <p:cNvSpPr txBox="1"/>
-          <p:nvPr userDrawn="1"/>
-        </p:nvSpPr>
-        <p:spPr>
-          <a:xfrm>
-            <a:off x="10836746" y="6504791"/>
-            <a:ext cx="1107996" cy="276999"/>
-          </a:xfrm>
-          <a:prstGeom prst="rect">
-            <a:avLst/>
-          </a:prstGeom>
-          <a:noFill/>
-        </p:spPr>
-        <p:txBody>
-          <a:bodyPr wrap="none" rtlCol="0">
-            <a:spAutoFit/>
-          </a:bodyPr>
-          <a:lstStyle/>
-          <a:p>
-            <a:r>
-              <a:rPr lang="ko-KR" altLang="en-US" sz="1200" b="1" smtClean="0">
-                <a:solidFill>
-                  <a:srgbClr val="00B050"/>
-                </a:solidFill>
-              </a:rPr>
-              <a:t>스페이스뱅크</a:t>
-            </a:r>
-            <a:endParaRPr lang="ko-KR" altLang="en-US" sz="1200" b="1" dirty="0">
-              <a:solidFill>
-                <a:srgbClr val="00B050"/>
-              </a:solidFill>
-            </a:endParaRPr>
           </a:p>
         </p:txBody>
       </p:sp>
@@ -713,6 +672,35 @@
           </a:p>
         </p:txBody>
       </p:sp>
+      <p:pic>
+        <p:nvPicPr>
+          <p:cNvPr id="6" name="그림 5">
+            <a:extLst>
+              <a:ext uri="{FF2B5EF4-FFF2-40B4-BE49-F238E27FC236}">
+                <a16:creationId xmlns:a16="http://schemas.microsoft.com/office/drawing/2014/main" id="{AAF4D4ED-ED41-675C-09E2-1EBA71F019D5}"/>
+              </a:ext>
+            </a:extLst>
+          </p:cNvPr>
+          <p:cNvPicPr>
+            <a:picLocks noChangeAspect="1"/>
+          </p:cNvPicPr>
+          <p:nvPr userDrawn="1"/>
+        </p:nvPicPr>
+        <p:blipFill rotWithShape="1">
+          <a:blip r:embed="rId2"/>
+          <a:srcRect t="25485"/>
+          <a:stretch/>
+        </p:blipFill>
+        <p:spPr>
+          <a:xfrm>
+            <a:off x="10994325" y="6356350"/>
+            <a:ext cx="1197675" cy="422350"/>
+          </a:xfrm>
+          <a:prstGeom prst="rect">
+            <a:avLst/>
+          </a:prstGeom>
+        </p:spPr>
+      </p:pic>
     </p:spTree>
     <p:extLst>
       <p:ext uri="{BB962C8B-B14F-4D97-AF65-F5344CB8AC3E}">
@@ -774,10 +762,9 @@
           <a:lstStyle/>
           <a:p>
             <a:r>
-              <a:rPr lang="ko-KR" altLang="en-US" smtClean="0"/>
+              <a:rPr lang="ko-KR" altLang="en-US"/>
               <a:t>마스터 제목 스타일 편집</a:t>
             </a:r>
-            <a:endParaRPr lang="ko-KR" altLang="en-US"/>
           </a:p>
         </p:txBody>
       </p:sp>
@@ -808,38 +795,37 @@
           <a:p>
             <a:pPr lvl="0"/>
             <a:r>
-              <a:rPr lang="ko-KR" altLang="en-US" smtClean="0"/>
+              <a:rPr lang="ko-KR" altLang="en-US"/>
               <a:t>마스터 텍스트 스타일 편집</a:t>
             </a:r>
           </a:p>
           <a:p>
             <a:pPr lvl="1"/>
             <a:r>
-              <a:rPr lang="ko-KR" altLang="en-US" smtClean="0"/>
+              <a:rPr lang="ko-KR" altLang="en-US"/>
               <a:t>둘째 수준</a:t>
             </a:r>
           </a:p>
           <a:p>
             <a:pPr lvl="2"/>
             <a:r>
-              <a:rPr lang="ko-KR" altLang="en-US" smtClean="0"/>
+              <a:rPr lang="ko-KR" altLang="en-US"/>
               <a:t>셋째 수준</a:t>
             </a:r>
           </a:p>
           <a:p>
             <a:pPr lvl="3"/>
             <a:r>
-              <a:rPr lang="ko-KR" altLang="en-US" smtClean="0"/>
+              <a:rPr lang="ko-KR" altLang="en-US"/>
               <a:t>넷째 수준</a:t>
             </a:r>
           </a:p>
           <a:p>
             <a:pPr lvl="4"/>
             <a:r>
-              <a:rPr lang="ko-KR" altLang="en-US" smtClean="0"/>
+              <a:rPr lang="ko-KR" altLang="en-US"/>
               <a:t>다섯째 수준</a:t>
             </a:r>
-            <a:endParaRPr lang="ko-KR" altLang="en-US"/>
           </a:p>
         </p:txBody>
       </p:sp>
@@ -878,7 +864,7 @@
           <a:p>
             <a:fld id="{1A0E0E8B-8F38-4466-9781-7E30DABD28DD}" type="datetimeFigureOut">
               <a:rPr lang="ko-KR" altLang="en-US" smtClean="0"/>
-              <a:t>2022-12-01</a:t>
+              <a:t>2022-12-02</a:t>
             </a:fld>
             <a:endParaRPr lang="ko-KR" altLang="en-US"/>
           </a:p>
@@ -955,7 +941,7 @@
           </a:lstStyle>
           <a:p>
             <a:r>
-              <a:rPr lang="ko-KR" altLang="en-US" dirty="0" err="1" smtClean="0"/>
+              <a:rPr lang="ko-KR" altLang="en-US" dirty="0" err="1"/>
               <a:t>코더스랩</a:t>
             </a:r>
             <a:endParaRPr lang="ko-KR" altLang="en-US" dirty="0"/>
@@ -1273,12 +1259,32 @@
           <a:chExt cx="0" cy="0"/>
         </a:xfrm>
       </p:grpSpPr>
-      <p:sp>
-        <p:nvSpPr>
-          <p:cNvPr id="11" name="직사각형 10"/>
-          <p:cNvSpPr/>
-          <p:nvPr/>
-        </p:nvSpPr>
+      <p:pic>
+        <p:nvPicPr>
+          <p:cNvPr id="7" name="그래픽 6">
+            <a:extLst>
+              <a:ext uri="{FF2B5EF4-FFF2-40B4-BE49-F238E27FC236}">
+                <a16:creationId xmlns:a16="http://schemas.microsoft.com/office/drawing/2014/main" id="{5C453CD3-D2FE-4E64-BF2A-70C3F6530B69}"/>
+              </a:ext>
+            </a:extLst>
+          </p:cNvPr>
+          <p:cNvPicPr>
+            <a:picLocks noChangeAspect="1"/>
+          </p:cNvPicPr>
+          <p:nvPr/>
+        </p:nvPicPr>
+        <p:blipFill>
+          <a:blip r:embed="rId2">
+            <a:extLst>
+              <a:ext uri="{96DAC541-7B7A-43D3-8B79-37D633B846F1}">
+                <asvg:svgBlip xmlns:asvg="http://schemas.microsoft.com/office/drawing/2016/SVG/main" r:embed="rId3"/>
+              </a:ext>
+            </a:extLst>
+          </a:blip>
+          <a:stretch>
+            <a:fillRect/>
+          </a:stretch>
+        </p:blipFill>
         <p:spPr>
           <a:xfrm>
             <a:off x="0" y="0"/>
@@ -1287,46 +1293,101 @@
           <a:prstGeom prst="rect">
             <a:avLst/>
           </a:prstGeom>
-          <a:ln>
-            <a:noFill/>
-          </a:ln>
-        </p:spPr>
-        <p:style>
-          <a:lnRef idx="2">
-            <a:schemeClr val="dk1"/>
-          </a:lnRef>
-          <a:fillRef idx="1">
-            <a:schemeClr val="lt1"/>
-          </a:fillRef>
-          <a:effectRef idx="0">
-            <a:schemeClr val="dk1"/>
-          </a:effectRef>
-          <a:fontRef idx="minor">
-            <a:schemeClr val="dk1"/>
-          </a:fontRef>
-        </p:style>
-        <p:txBody>
-          <a:bodyPr rtlCol="0" anchor="ctr"/>
+        </p:spPr>
+      </p:pic>
+      <p:sp>
+        <p:nvSpPr>
+          <p:cNvPr id="8" name="TextBox 7">
+            <a:extLst>
+              <a:ext uri="{FF2B5EF4-FFF2-40B4-BE49-F238E27FC236}">
+                <a16:creationId xmlns:a16="http://schemas.microsoft.com/office/drawing/2014/main" id="{C650E4C7-6A1D-4F04-86EB-55263309DA35}"/>
+              </a:ext>
+            </a:extLst>
+          </p:cNvPr>
+          <p:cNvSpPr txBox="1"/>
+          <p:nvPr/>
+        </p:nvSpPr>
+        <p:spPr>
+          <a:xfrm>
+            <a:off x="545430" y="529390"/>
+            <a:ext cx="3829719" cy="830997"/>
+          </a:xfrm>
+          <a:prstGeom prst="rect">
+            <a:avLst/>
+          </a:prstGeom>
+          <a:noFill/>
+        </p:spPr>
+        <p:txBody>
+          <a:bodyPr wrap="square" rtlCol="0">
+            <a:spAutoFit/>
+          </a:bodyPr>
           <a:lstStyle/>
           <a:p>
-            <a:pPr algn="ctr"/>
-            <a:endParaRPr lang="ko-KR" altLang="en-US">
-              <a:latin typeface="+mj-ea"/>
-              <a:ea typeface="+mj-ea"/>
+            <a:r>
+              <a:rPr lang="ko-KR" altLang="en-US" sz="2300" dirty="0">
+                <a:solidFill>
+                  <a:schemeClr val="bg1"/>
+                </a:solidFill>
+                <a:latin typeface="맑은 고딕" panose="020B0503020000020004" pitchFamily="50" charset="-127"/>
+                <a:ea typeface="맑은 고딕" panose="020B0503020000020004" pitchFamily="50" charset="-127"/>
+              </a:rPr>
+              <a:t>오늘의 기술을 마주하고</a:t>
+            </a:r>
+            <a:endParaRPr lang="en-US" altLang="ko-KR" sz="2300" dirty="0">
+              <a:solidFill>
+                <a:schemeClr val="bg1"/>
+              </a:solidFill>
+              <a:latin typeface="맑은 고딕" panose="020B0503020000020004" pitchFamily="50" charset="-127"/>
+              <a:ea typeface="맑은 고딕" panose="020B0503020000020004" pitchFamily="50" charset="-127"/>
             </a:endParaRPr>
           </a:p>
-        </p:txBody>
-      </p:sp>
-      <p:sp>
-        <p:nvSpPr>
-          <p:cNvPr id="8" name="TextBox 7"/>
+          <a:p>
+            <a:r>
+              <a:rPr lang="ko-KR" altLang="en-US" sz="2300" dirty="0">
+                <a:solidFill>
+                  <a:schemeClr val="bg1"/>
+                </a:solidFill>
+                <a:latin typeface="맑은 고딕" panose="020B0503020000020004" pitchFamily="50" charset="-127"/>
+                <a:ea typeface="맑은 고딕" panose="020B0503020000020004" pitchFamily="50" charset="-127"/>
+              </a:rPr>
+              <a:t>내일의 경험을 만듭니다</a:t>
+            </a:r>
+            <a:r>
+              <a:rPr lang="en-US" altLang="ko-KR" sz="2300" dirty="0">
+                <a:solidFill>
+                  <a:schemeClr val="bg1"/>
+                </a:solidFill>
+                <a:latin typeface="맑은 고딕" panose="020B0503020000020004" pitchFamily="50" charset="-127"/>
+                <a:ea typeface="맑은 고딕" panose="020B0503020000020004" pitchFamily="50" charset="-127"/>
+              </a:rPr>
+              <a:t>.</a:t>
+            </a:r>
+            <a:endParaRPr lang="ko-KR" altLang="en-US" sz="2300" dirty="0">
+              <a:solidFill>
+                <a:schemeClr val="bg1"/>
+              </a:solidFill>
+              <a:latin typeface="맑은 고딕" panose="020B0503020000020004" pitchFamily="50" charset="-127"/>
+              <a:ea typeface="맑은 고딕" panose="020B0503020000020004" pitchFamily="50" charset="-127"/>
+            </a:endParaRPr>
+          </a:p>
+        </p:txBody>
+      </p:sp>
+      <p:sp>
+        <p:nvSpPr>
+          <p:cNvPr id="2" name="TextBox 1">
+            <a:extLst>
+              <a:ext uri="{FF2B5EF4-FFF2-40B4-BE49-F238E27FC236}">
+                <a16:creationId xmlns:a16="http://schemas.microsoft.com/office/drawing/2014/main" id="{0FC83B9C-A966-0846-A41F-A9EF5DCD8788}"/>
+              </a:ext>
+            </a:extLst>
+          </p:cNvPr>
           <p:cNvSpPr txBox="1"/>
           <p:nvPr/>
         </p:nvSpPr>
         <p:spPr>
           <a:xfrm>
-            <a:off x="4630640" y="1279714"/>
-            <a:ext cx="2377574" cy="461665"/>
+            <a:off x="545430" y="2132911"/>
+            <a:ext cx="3360985" cy="646331"/>
           </a:xfrm>
           <a:prstGeom prst="rect">
             <a:avLst/>
@@ -1340,102 +1401,32 @@
           <a:lstStyle/>
           <a:p>
             <a:r>
-              <a:rPr lang="en-US" altLang="ko-KR" sz="2400" b="1" smtClean="0">
-                <a:latin typeface="+mj-ea"/>
-                <a:ea typeface="+mj-ea"/>
+              <a:rPr lang="en-US" altLang="ko-KR" sz="3600" b="1" dirty="0">
+                <a:solidFill>
+                  <a:schemeClr val="bg1"/>
+                </a:solidFill>
+                <a:latin typeface="맑은 고딕" panose="020B0503020000020004" pitchFamily="50" charset="-127"/>
+                <a:ea typeface="맑은 고딕" panose="020B0503020000020004" pitchFamily="50" charset="-127"/>
               </a:rPr>
-              <a:t>Apex </a:t>
-            </a:r>
-            <a:r>
-              <a:rPr lang="ko-KR" altLang="en-US" sz="2400" b="1" dirty="0" smtClean="0">
-                <a:latin typeface="+mj-ea"/>
-                <a:ea typeface="+mj-ea"/>
+              <a:t>APEX </a:t>
+            </a:r>
+            <a:r>
+              <a:rPr lang="ko-KR" altLang="en-US" sz="3600" b="1" dirty="0">
+                <a:solidFill>
+                  <a:schemeClr val="bg1"/>
+                </a:solidFill>
+                <a:latin typeface="맑은 고딕" panose="020B0503020000020004" pitchFamily="50" charset="-127"/>
+                <a:ea typeface="맑은 고딕" panose="020B0503020000020004" pitchFamily="50" charset="-127"/>
               </a:rPr>
-              <a:t>기본 과정</a:t>
-            </a:r>
-            <a:endParaRPr lang="ko-KR" altLang="en-US" sz="2400" b="1" dirty="0">
-              <a:latin typeface="+mj-ea"/>
-              <a:ea typeface="+mj-ea"/>
-            </a:endParaRPr>
-          </a:p>
-        </p:txBody>
-      </p:sp>
-      <p:sp>
-        <p:nvSpPr>
-          <p:cNvPr id="10" name="TextBox 9"/>
-          <p:cNvSpPr txBox="1"/>
-          <p:nvPr/>
-        </p:nvSpPr>
-        <p:spPr>
-          <a:xfrm>
-            <a:off x="5471173" y="3653211"/>
-            <a:ext cx="989373" cy="276999"/>
-          </a:xfrm>
-          <a:prstGeom prst="rect">
-            <a:avLst/>
-          </a:prstGeom>
-          <a:noFill/>
-        </p:spPr>
-        <p:txBody>
-          <a:bodyPr wrap="none" rtlCol="0">
-            <a:spAutoFit/>
-          </a:bodyPr>
-          <a:lstStyle/>
-          <a:p>
-            <a:r>
-              <a:rPr lang="en-US" altLang="ko-KR" sz="1200" dirty="0" smtClean="0">
-                <a:latin typeface="+mj-ea"/>
-                <a:ea typeface="+mj-ea"/>
-              </a:rPr>
-              <a:t>2022-09-08</a:t>
-            </a:r>
-            <a:endParaRPr lang="ko-KR" altLang="en-US" sz="1200" dirty="0">
-              <a:latin typeface="+mj-ea"/>
-              <a:ea typeface="+mj-ea"/>
-            </a:endParaRPr>
-          </a:p>
-        </p:txBody>
-      </p:sp>
-      <p:sp>
-        <p:nvSpPr>
-          <p:cNvPr id="7" name="TextBox 6"/>
-          <p:cNvSpPr txBox="1"/>
-          <p:nvPr/>
-        </p:nvSpPr>
-        <p:spPr>
-          <a:xfrm>
-            <a:off x="4936330" y="5058239"/>
-            <a:ext cx="1569660" cy="369332"/>
-          </a:xfrm>
-          <a:prstGeom prst="rect">
-            <a:avLst/>
-          </a:prstGeom>
-          <a:noFill/>
-        </p:spPr>
-        <p:txBody>
-          <a:bodyPr wrap="none" rtlCol="0">
-            <a:spAutoFit/>
-          </a:bodyPr>
-          <a:lstStyle/>
-          <a:p>
-            <a:r>
-              <a:rPr lang="ko-KR" altLang="en-US" smtClean="0">
-                <a:latin typeface="+mj-ea"/>
-                <a:ea typeface="+mj-ea"/>
-              </a:rPr>
-              <a:t>스페이스뱅크</a:t>
-            </a:r>
-            <a:endParaRPr lang="ko-KR" altLang="en-US" dirty="0">
-              <a:latin typeface="+mj-ea"/>
-              <a:ea typeface="+mj-ea"/>
-            </a:endParaRPr>
+              <a:t>기본과정</a:t>
+            </a:r>
           </a:p>
         </p:txBody>
       </p:sp>
     </p:spTree>
     <p:extLst>
       <p:ext uri="{BB962C8B-B14F-4D97-AF65-F5344CB8AC3E}">
-        <p14:creationId xmlns:p14="http://schemas.microsoft.com/office/powerpoint/2010/main" val="1119114343"/>
+        <p14:creationId xmlns:p14="http://schemas.microsoft.com/office/powerpoint/2010/main" val="171915502"/>
       </p:ext>
     </p:extLst>
   </p:cSld>
@@ -1499,10 +1490,9 @@
           <a:p>
             <a:pPr algn="ctr"/>
             <a:r>
-              <a:rPr lang="ko-KR" altLang="en-US" sz="1200" dirty="0" smtClean="0"/>
+              <a:rPr lang="ko-KR" altLang="en-US" sz="1400" b="1" dirty="0"/>
               <a:t>프로젝트 관리 시스템</a:t>
             </a:r>
-            <a:endParaRPr lang="ko-KR" altLang="en-US" sz="1200" dirty="0"/>
           </a:p>
         </p:txBody>
       </p:sp>
@@ -1553,10 +1543,9 @@
           <a:lstStyle/>
           <a:p>
             <a:r>
-              <a:rPr lang="ko-KR" altLang="en-US" b="1" dirty="0" smtClean="0"/>
+              <a:rPr lang="ko-KR" altLang="en-US" b="1" dirty="0"/>
               <a:t>개념 증명 랩</a:t>
             </a:r>
-            <a:endParaRPr lang="ko-KR" altLang="en-US" b="1" dirty="0"/>
           </a:p>
         </p:txBody>
       </p:sp>
@@ -1583,18 +1572,17 @@
           <a:lstStyle/>
           <a:p>
             <a:r>
-              <a:rPr lang="en-US" altLang="ko-KR" b="1" dirty="0" smtClean="0"/>
+              <a:rPr lang="en-US" altLang="ko-KR" b="1" dirty="0"/>
               <a:t>OCI </a:t>
             </a:r>
             <a:r>
-              <a:rPr lang="ko-KR" altLang="en-US" b="1" dirty="0" err="1" smtClean="0"/>
+              <a:rPr lang="ko-KR" altLang="en-US" b="1" dirty="0" err="1"/>
               <a:t>모델러</a:t>
             </a:r>
             <a:r>
-              <a:rPr lang="ko-KR" altLang="en-US" b="1" dirty="0" smtClean="0"/>
+              <a:rPr lang="ko-KR" altLang="en-US" b="1" dirty="0"/>
               <a:t> 제공</a:t>
             </a:r>
-            <a:endParaRPr lang="ko-KR" altLang="en-US" b="1" dirty="0"/>
           </a:p>
         </p:txBody>
       </p:sp>
@@ -1651,10 +1639,9 @@
           <a:lstStyle/>
           <a:p>
             <a:r>
-              <a:rPr lang="ko-KR" altLang="en-US" b="1" dirty="0" smtClean="0"/>
+              <a:rPr lang="ko-KR" altLang="en-US" b="1" dirty="0"/>
               <a:t>시작 온라인 쇼팽 앱 구축</a:t>
             </a:r>
-            <a:endParaRPr lang="ko-KR" altLang="en-US" b="1" dirty="0"/>
           </a:p>
         </p:txBody>
       </p:sp>
@@ -1738,7 +1725,6 @@
               <a:rPr lang="ko-KR" altLang="en-US" b="1" dirty="0"/>
               <a:t>시작 온라인 쇼팽 앱 구축</a:t>
             </a:r>
-            <a:endParaRPr lang="ko-KR" altLang="en-US" b="1" dirty="0"/>
           </a:p>
         </p:txBody>
       </p:sp>
@@ -1891,25 +1877,25 @@
           <a:lstStyle/>
           <a:p>
             <a:r>
-              <a:rPr lang="ko-KR" altLang="en-US" b="1" dirty="0" smtClean="0"/>
+              <a:rPr lang="ko-KR" altLang="en-US" b="1" dirty="0"/>
               <a:t>개발 </a:t>
             </a:r>
             <a:r>
-              <a:rPr lang="en-US" altLang="ko-KR" b="1" dirty="0" smtClean="0"/>
+              <a:rPr lang="en-US" altLang="ko-KR" b="1" dirty="0"/>
               <a:t>Workshop </a:t>
             </a:r>
             <a:r>
-              <a:rPr lang="ko-KR" altLang="en-US" b="1" dirty="0" smtClean="0"/>
+              <a:rPr lang="ko-KR" altLang="en-US" b="1" dirty="0"/>
               <a:t>가입 </a:t>
             </a:r>
             <a:r>
-              <a:rPr lang="en-US" altLang="ko-KR" b="1" dirty="0" smtClean="0">
+              <a:rPr lang="en-US" altLang="ko-KR" b="1" dirty="0">
                 <a:sym typeface="Wingdings" panose="05000000000000000000" pitchFamily="2" charset="2"/>
               </a:rPr>
               <a:t> email </a:t>
             </a:r>
             <a:r>
-              <a:rPr lang="ko-KR" altLang="en-US" b="1" dirty="0" smtClean="0">
+              <a:rPr lang="ko-KR" altLang="en-US" b="1" dirty="0">
                 <a:sym typeface="Wingdings" panose="05000000000000000000" pitchFamily="2" charset="2"/>
               </a:rPr>
               <a:t>확인</a:t>
@@ -1934,7 +1920,7 @@
         </p:blipFill>
         <p:spPr>
           <a:xfrm>
-            <a:off x="865112" y="664143"/>
+            <a:off x="1024910" y="1108027"/>
             <a:ext cx="9326687" cy="5385986"/>
           </a:xfrm>
           <a:prstGeom prst="rect">
@@ -1995,10 +1981,9 @@
           <a:lstStyle/>
           <a:p>
             <a:r>
-              <a:rPr lang="ko-KR" altLang="en-US" b="1" dirty="0" smtClean="0"/>
+              <a:rPr lang="ko-KR" altLang="en-US" b="1" dirty="0"/>
               <a:t>로그인</a:t>
             </a:r>
-            <a:endParaRPr lang="ko-KR" altLang="en-US" b="1" dirty="0"/>
           </a:p>
         </p:txBody>
       </p:sp>
@@ -2018,7 +2003,7 @@
         </p:blipFill>
         <p:spPr>
           <a:xfrm>
-            <a:off x="1138129" y="1108325"/>
+            <a:off x="3046828" y="1241490"/>
             <a:ext cx="5908145" cy="5050116"/>
           </a:xfrm>
           <a:prstGeom prst="rect">
@@ -2091,10 +2076,9 @@
           <a:p>
             <a:pPr algn="ctr"/>
             <a:r>
-              <a:rPr lang="ko-KR" altLang="en-US" sz="2400" b="1" dirty="0" smtClean="0"/>
+              <a:rPr lang="ko-KR" altLang="en-US" sz="2400" b="1" dirty="0"/>
               <a:t>앱 만들기</a:t>
             </a:r>
-            <a:endParaRPr lang="ko-KR" altLang="en-US" sz="2400" b="1" dirty="0"/>
           </a:p>
         </p:txBody>
       </p:sp>
@@ -2174,14 +2158,65 @@
           <a:lstStyle/>
           <a:p>
             <a:r>
-              <a:rPr lang="en-US" altLang="ko-KR" b="1" dirty="0" smtClean="0"/>
+              <a:rPr lang="en-US" altLang="ko-KR" b="1" dirty="0"/>
               <a:t>Apex </a:t>
             </a:r>
             <a:r>
-              <a:rPr lang="ko-KR" altLang="en-US" b="1" dirty="0" smtClean="0"/>
+              <a:rPr lang="ko-KR" altLang="en-US" b="1" dirty="0"/>
               <a:t>개발 공정 </a:t>
             </a:r>
-            <a:endParaRPr lang="ko-KR" altLang="en-US" b="1" dirty="0"/>
+          </a:p>
+        </p:txBody>
+      </p:sp>
+      <p:sp>
+        <p:nvSpPr>
+          <p:cNvPr id="4" name="직사각형 3">
+            <a:extLst>
+              <a:ext uri="{FF2B5EF4-FFF2-40B4-BE49-F238E27FC236}">
+                <a16:creationId xmlns:a16="http://schemas.microsoft.com/office/drawing/2014/main" id="{B55A3875-5CE3-B18E-DD45-8F2C7222E2D2}"/>
+              </a:ext>
+            </a:extLst>
+          </p:cNvPr>
+          <p:cNvSpPr/>
+          <p:nvPr/>
+        </p:nvSpPr>
+        <p:spPr>
+          <a:xfrm>
+            <a:off x="10644326" y="5353235"/>
+            <a:ext cx="958789" cy="825623"/>
+          </a:xfrm>
+          <a:prstGeom prst="rect">
+            <a:avLst/>
+          </a:prstGeom>
+          <a:solidFill>
+            <a:schemeClr val="bg1"/>
+          </a:solidFill>
+          <a:ln>
+            <a:noFill/>
+          </a:ln>
+        </p:spPr>
+        <p:style>
+          <a:lnRef idx="2">
+            <a:schemeClr val="accent1">
+              <a:shade val="50000"/>
+            </a:schemeClr>
+          </a:lnRef>
+          <a:fillRef idx="1">
+            <a:schemeClr val="accent1"/>
+          </a:fillRef>
+          <a:effectRef idx="0">
+            <a:schemeClr val="accent1"/>
+          </a:effectRef>
+          <a:fontRef idx="minor">
+            <a:schemeClr val="lt1"/>
+          </a:fontRef>
+        </p:style>
+        <p:txBody>
+          <a:bodyPr rtlCol="0" anchor="ctr"/>
+          <a:lstStyle/>
+          <a:p>
+            <a:pPr algn="ctr"/>
+            <a:endParaRPr lang="ko-KR" altLang="en-US"/>
           </a:p>
         </p:txBody>
       </p:sp>
@@ -2262,14 +2297,13 @@
           <a:lstStyle/>
           <a:p>
             <a:r>
-              <a:rPr lang="ko-KR" altLang="en-US" b="1" dirty="0" err="1" smtClean="0"/>
+              <a:rPr lang="ko-KR" altLang="en-US" b="1" dirty="0" err="1"/>
               <a:t>스프레디시트</a:t>
             </a:r>
             <a:r>
-              <a:rPr lang="ko-KR" altLang="en-US" b="1" dirty="0" smtClean="0"/>
+              <a:rPr lang="ko-KR" altLang="en-US" b="1" dirty="0"/>
               <a:t> 랩</a:t>
             </a:r>
-            <a:endParaRPr lang="ko-KR" altLang="en-US" b="1" dirty="0"/>
           </a:p>
         </p:txBody>
       </p:sp>
@@ -2340,10 +2374,9 @@
           <a:p>
             <a:pPr algn="ctr"/>
             <a:r>
-              <a:rPr lang="ko-KR" altLang="en-US" sz="1200" dirty="0" smtClean="0"/>
+              <a:rPr lang="ko-KR" altLang="en-US" sz="1200" dirty="0"/>
               <a:t>뉴욕 소재 고등학교</a:t>
             </a:r>
-            <a:endParaRPr lang="ko-KR" altLang="en-US" sz="1200" dirty="0"/>
           </a:p>
         </p:txBody>
       </p:sp>
@@ -2382,23 +2415,23 @@
           <a:p>
             <a:pPr algn="ctr"/>
             <a:r>
-              <a:rPr lang="ko-KR" altLang="en-US" sz="1200" dirty="0" smtClean="0"/>
+              <a:rPr lang="ko-KR" altLang="en-US" sz="1200" dirty="0"/>
               <a:t>일반정보</a:t>
             </a:r>
-            <a:endParaRPr lang="en-US" altLang="ko-KR" sz="1200" dirty="0" smtClean="0"/>
+            <a:endParaRPr lang="en-US" altLang="ko-KR" sz="1200" dirty="0"/>
           </a:p>
           <a:p>
             <a:pPr algn="ctr"/>
             <a:r>
-              <a:rPr lang="en-US" altLang="ko-KR" sz="1200" dirty="0" smtClean="0"/>
+              <a:rPr lang="en-US" altLang="ko-KR" sz="1200" dirty="0"/>
               <a:t>(</a:t>
             </a:r>
             <a:r>
-              <a:rPr lang="ko-KR" altLang="en-US" sz="1200" dirty="0" smtClean="0"/>
+              <a:rPr lang="ko-KR" altLang="en-US" sz="1200" dirty="0"/>
               <a:t>학교명</a:t>
             </a:r>
             <a:r>
-              <a:rPr lang="en-US" altLang="ko-KR" sz="1200" dirty="0" smtClean="0"/>
+              <a:rPr lang="en-US" altLang="ko-KR" sz="1200" dirty="0"/>
               <a:t>)</a:t>
             </a:r>
             <a:endParaRPr lang="ko-KR" altLang="en-US" sz="1200" dirty="0"/>
@@ -2440,10 +2473,9 @@
           <a:p>
             <a:pPr algn="ctr"/>
             <a:r>
-              <a:rPr lang="ko-KR" altLang="en-US" sz="1200" dirty="0" smtClean="0"/>
+              <a:rPr lang="ko-KR" altLang="en-US" sz="1200" dirty="0"/>
               <a:t>학생수 정보 </a:t>
             </a:r>
-            <a:endParaRPr lang="ko-KR" altLang="en-US" sz="1200" dirty="0"/>
           </a:p>
         </p:txBody>
       </p:sp>
@@ -2482,10 +2514,9 @@
           <a:p>
             <a:pPr algn="ctr"/>
             <a:r>
-              <a:rPr lang="ko-KR" altLang="en-US" sz="1200" dirty="0" smtClean="0"/>
+              <a:rPr lang="ko-KR" altLang="en-US" sz="1200" dirty="0"/>
               <a:t>위치</a:t>
             </a:r>
-            <a:endParaRPr lang="ko-KR" altLang="en-US" sz="1200" dirty="0"/>
           </a:p>
         </p:txBody>
       </p:sp>
@@ -2601,14 +2632,13 @@
           <a:lstStyle/>
           <a:p>
             <a:r>
-              <a:rPr lang="ko-KR" altLang="en-US" b="1" dirty="0" err="1" smtClean="0"/>
+              <a:rPr lang="ko-KR" altLang="en-US" b="1" dirty="0" err="1"/>
               <a:t>스프레디시트</a:t>
             </a:r>
             <a:r>
-              <a:rPr lang="ko-KR" altLang="en-US" b="1" dirty="0" smtClean="0"/>
+              <a:rPr lang="ko-KR" altLang="en-US" b="1" dirty="0"/>
               <a:t> 랩</a:t>
             </a:r>
-            <a:endParaRPr lang="ko-KR" altLang="en-US" b="1" dirty="0"/>
           </a:p>
         </p:txBody>
       </p:sp>
@@ -2689,10 +2719,9 @@
           <a:lstStyle/>
           <a:p>
             <a:r>
-              <a:rPr lang="ko-KR" altLang="en-US" b="1" dirty="0" smtClean="0"/>
+              <a:rPr lang="ko-KR" altLang="en-US" b="1" dirty="0"/>
               <a:t>개념 증명 랩</a:t>
             </a:r>
-            <a:endParaRPr lang="ko-KR" altLang="en-US" b="1" dirty="0"/>
           </a:p>
         </p:txBody>
       </p:sp>
@@ -2763,10 +2792,9 @@
           <a:p>
             <a:pPr algn="ctr"/>
             <a:r>
-              <a:rPr lang="ko-KR" altLang="en-US" sz="1200" dirty="0" smtClean="0"/>
+              <a:rPr lang="ko-KR" altLang="en-US" sz="1200" dirty="0"/>
               <a:t>프로젝트 관리 시스템</a:t>
             </a:r>
-            <a:endParaRPr lang="ko-KR" altLang="en-US" sz="1200" dirty="0"/>
           </a:p>
         </p:txBody>
       </p:sp>
@@ -2875,10 +2903,9 @@
           <a:lstStyle/>
           <a:p>
             <a:r>
-              <a:rPr lang="ko-KR" altLang="en-US" b="1" dirty="0" smtClean="0"/>
+              <a:rPr lang="ko-KR" altLang="en-US" b="1" dirty="0"/>
               <a:t>개념 증명 랩</a:t>
             </a:r>
-            <a:endParaRPr lang="ko-KR" altLang="en-US" b="1" dirty="0"/>
           </a:p>
         </p:txBody>
       </p:sp>
